--- a/doc/slide.pptx
+++ b/doc/slide.pptx
@@ -16,7 +16,8 @@
     <p:sldId id="263" r:id="rId10"/>
     <p:sldId id="264" r:id="rId11"/>
     <p:sldId id="265" r:id="rId12"/>
-    <p:sldId id="268" r:id="rId13"/>
+    <p:sldId id="269" r:id="rId13"/>
+    <p:sldId id="268" r:id="rId14"/>
   </p:sldIdLst>
   <p:sldSz cx="12192000" cy="6858000"/>
   <p:notesSz cx="6858000" cy="9144000"/>
@@ -8916,7 +8917,7 @@
           <a:p>
             <a:fld id="{BA9A4A5B-E162-477B-8885-908A249C9AD5}" type="datetimeFigureOut">
               <a:rPr lang="en-US" smtClean="0"/>
-              <a:t>4/9/2019</a:t>
+              <a:t>6/3/2019</a:t>
             </a:fld>
             <a:endParaRPr lang="en-US"/>
           </a:p>
@@ -9123,7 +9124,7 @@
           <a:p>
             <a:fld id="{BA9A4A5B-E162-477B-8885-908A249C9AD5}" type="datetimeFigureOut">
               <a:rPr lang="en-US" smtClean="0"/>
-              <a:t>4/9/2019</a:t>
+              <a:t>6/3/2019</a:t>
             </a:fld>
             <a:endParaRPr lang="en-US"/>
           </a:p>
@@ -9303,7 +9304,7 @@
           <a:p>
             <a:fld id="{BA9A4A5B-E162-477B-8885-908A249C9AD5}" type="datetimeFigureOut">
               <a:rPr lang="en-US" smtClean="0"/>
-              <a:t>4/9/2019</a:t>
+              <a:t>6/3/2019</a:t>
             </a:fld>
             <a:endParaRPr lang="en-US"/>
           </a:p>
@@ -9508,7 +9509,7 @@
           <a:p>
             <a:fld id="{BA9A4A5B-E162-477B-8885-908A249C9AD5}" type="datetimeFigureOut">
               <a:rPr lang="en-US" smtClean="0"/>
-              <a:t>4/9/2019</a:t>
+              <a:t>6/3/2019</a:t>
             </a:fld>
             <a:endParaRPr lang="en-US"/>
           </a:p>
@@ -18406,7 +18407,7 @@
           <a:p>
             <a:fld id="{BA9A4A5B-E162-477B-8885-908A249C9AD5}" type="datetimeFigureOut">
               <a:rPr lang="en-US" smtClean="0"/>
-              <a:t>4/9/2019</a:t>
+              <a:t>6/3/2019</a:t>
             </a:fld>
             <a:endParaRPr lang="en-US"/>
           </a:p>
@@ -18680,7 +18681,7 @@
           <a:p>
             <a:fld id="{BA9A4A5B-E162-477B-8885-908A249C9AD5}" type="datetimeFigureOut">
               <a:rPr lang="en-US" smtClean="0"/>
-              <a:t>4/9/2019</a:t>
+              <a:t>6/3/2019</a:t>
             </a:fld>
             <a:endParaRPr lang="en-US"/>
           </a:p>
@@ -19078,7 +19079,7 @@
           <a:p>
             <a:fld id="{BA9A4A5B-E162-477B-8885-908A249C9AD5}" type="datetimeFigureOut">
               <a:rPr lang="en-US" smtClean="0"/>
-              <a:t>4/9/2019</a:t>
+              <a:t>6/3/2019</a:t>
             </a:fld>
             <a:endParaRPr lang="en-US"/>
           </a:p>
@@ -19196,7 +19197,7 @@
           <a:p>
             <a:fld id="{BA9A4A5B-E162-477B-8885-908A249C9AD5}" type="datetimeFigureOut">
               <a:rPr lang="en-US" smtClean="0"/>
-              <a:t>4/9/2019</a:t>
+              <a:t>6/3/2019</a:t>
             </a:fld>
             <a:endParaRPr lang="en-US"/>
           </a:p>
@@ -19291,7 +19292,7 @@
           <a:p>
             <a:fld id="{BA9A4A5B-E162-477B-8885-908A249C9AD5}" type="datetimeFigureOut">
               <a:rPr lang="en-US" smtClean="0"/>
-              <a:t>4/9/2019</a:t>
+              <a:t>6/3/2019</a:t>
             </a:fld>
             <a:endParaRPr lang="en-US"/>
           </a:p>
@@ -19581,7 +19582,7 @@
           <a:p>
             <a:fld id="{BA9A4A5B-E162-477B-8885-908A249C9AD5}" type="datetimeFigureOut">
               <a:rPr lang="en-US" smtClean="0"/>
-              <a:t>4/9/2019</a:t>
+              <a:t>6/3/2019</a:t>
             </a:fld>
             <a:endParaRPr lang="en-US"/>
           </a:p>
@@ -19861,7 +19862,7 @@
           <a:p>
             <a:fld id="{BA9A4A5B-E162-477B-8885-908A249C9AD5}" type="datetimeFigureOut">
               <a:rPr lang="en-US" smtClean="0"/>
-              <a:t>4/9/2019</a:t>
+              <a:t>6/3/2019</a:t>
             </a:fld>
             <a:endParaRPr lang="en-US"/>
           </a:p>
@@ -20111,7 +20112,7 @@
           <a:p>
             <a:fld id="{BA9A4A5B-E162-477B-8885-908A249C9AD5}" type="datetimeFigureOut">
               <a:rPr lang="en-US" smtClean="0"/>
-              <a:t>4/9/2019</a:t>
+              <a:t>6/3/2019</a:t>
             </a:fld>
             <a:endParaRPr lang="en-US"/>
           </a:p>
@@ -20757,10 +20758,10 @@
       </p:sp>
       <p:pic>
         <p:nvPicPr>
-          <p:cNvPr id="4" name="Content Placeholder 3">
+          <p:cNvPr id="5" name="Content Placeholder 4">
             <a:extLst>
               <a:ext uri="{FF2B5EF4-FFF2-40B4-BE49-F238E27FC236}">
-                <a16:creationId xmlns:a16="http://schemas.microsoft.com/office/drawing/2014/main" id="{828F29C8-A6FB-4D7B-8F23-917E67997903}"/>
+                <a16:creationId xmlns:a16="http://schemas.microsoft.com/office/drawing/2014/main" id="{E7787F0A-07DB-4B0E-BDF0-822C22CB66E9}"/>
               </a:ext>
             </a:extLst>
           </p:cNvPr>
@@ -20779,8 +20780,8 @@
         </p:blipFill>
         <p:spPr>
           <a:xfrm>
-            <a:off x="1056069" y="1558344"/>
-            <a:ext cx="10084156" cy="5133774"/>
+            <a:off x="734096" y="1808894"/>
+            <a:ext cx="9247032" cy="4761896"/>
           </a:xfrm>
           <a:prstGeom prst="rect">
             <a:avLst/>
@@ -20847,10 +20848,10 @@
       </p:sp>
       <p:pic>
         <p:nvPicPr>
-          <p:cNvPr id="7" name="Content Placeholder 6">
+          <p:cNvPr id="4" name="Content Placeholder 3">
             <a:extLst>
               <a:ext uri="{FF2B5EF4-FFF2-40B4-BE49-F238E27FC236}">
-                <a16:creationId xmlns:a16="http://schemas.microsoft.com/office/drawing/2014/main" id="{90A8730F-ADD3-4BC1-9D02-74168C3FB5F4}"/>
+                <a16:creationId xmlns:a16="http://schemas.microsoft.com/office/drawing/2014/main" id="{6A63720F-5D15-4F47-B79B-F050F4251539}"/>
               </a:ext>
             </a:extLst>
           </p:cNvPr>
@@ -20869,8 +20870,8 @@
         </p:blipFill>
         <p:spPr>
           <a:xfrm>
-            <a:off x="1024128" y="1678755"/>
-            <a:ext cx="8404743" cy="4594029"/>
+            <a:off x="734096" y="1790163"/>
+            <a:ext cx="8461419" cy="4562526"/>
           </a:xfrm>
           <a:prstGeom prst="rect">
             <a:avLst/>
@@ -20891,6 +20892,91 @@
 </file>
 
 <file path=ppt/slides/slide12.xml><?xml version="1.0" encoding="utf-8"?>
+<p:sld xmlns:a="http://schemas.openxmlformats.org/drawingml/2006/main" xmlns:r="http://schemas.openxmlformats.org/officeDocument/2006/relationships" xmlns:p="http://schemas.openxmlformats.org/presentationml/2006/main">
+  <p:cSld>
+    <p:spTree>
+      <p:nvGrpSpPr>
+        <p:cNvPr id="1" name=""/>
+        <p:cNvGrpSpPr/>
+        <p:nvPr/>
+      </p:nvGrpSpPr>
+      <p:grpSpPr>
+        <a:xfrm>
+          <a:off x="0" y="0"/>
+          <a:ext cx="0" cy="0"/>
+          <a:chOff x="0" y="0"/>
+          <a:chExt cx="0" cy="0"/>
+        </a:xfrm>
+      </p:grpSpPr>
+      <p:sp>
+        <p:nvSpPr>
+          <p:cNvPr id="2" name="Title 1">
+            <a:extLst>
+              <a:ext uri="{FF2B5EF4-FFF2-40B4-BE49-F238E27FC236}">
+                <a16:creationId xmlns:a16="http://schemas.microsoft.com/office/drawing/2014/main" id="{BAE46AA8-3400-43B2-A2A4-59B2D7C6DDF2}"/>
+              </a:ext>
+            </a:extLst>
+          </p:cNvPr>
+          <p:cNvSpPr>
+            <a:spLocks noGrp="1"/>
+          </p:cNvSpPr>
+          <p:nvPr>
+            <p:ph type="title"/>
+          </p:nvPr>
+        </p:nvSpPr>
+        <p:spPr/>
+        <p:txBody>
+          <a:bodyPr/>
+          <a:lstStyle/>
+          <a:p>
+            <a:pPr algn="ctr"/>
+            <a:r>
+              <a:rPr lang="en-US"/>
+              <a:t>DEMO</a:t>
+            </a:r>
+            <a:endParaRPr lang="en-US" dirty="0"/>
+          </a:p>
+        </p:txBody>
+      </p:sp>
+      <p:sp>
+        <p:nvSpPr>
+          <p:cNvPr id="3" name="Content Placeholder 2">
+            <a:extLst>
+              <a:ext uri="{FF2B5EF4-FFF2-40B4-BE49-F238E27FC236}">
+                <a16:creationId xmlns:a16="http://schemas.microsoft.com/office/drawing/2014/main" id="{EE7E732C-11DD-4685-AEDA-072E24C4D9DD}"/>
+              </a:ext>
+            </a:extLst>
+          </p:cNvPr>
+          <p:cNvSpPr>
+            <a:spLocks noGrp="1"/>
+          </p:cNvSpPr>
+          <p:nvPr>
+            <p:ph idx="1"/>
+          </p:nvPr>
+        </p:nvSpPr>
+        <p:spPr/>
+        <p:txBody>
+          <a:bodyPr/>
+          <a:lstStyle/>
+          <a:p>
+            <a:endParaRPr lang="en-US" dirty="0"/>
+          </a:p>
+        </p:txBody>
+      </p:sp>
+    </p:spTree>
+    <p:extLst>
+      <p:ext uri="{BB962C8B-B14F-4D97-AF65-F5344CB8AC3E}">
+        <p14:creationId xmlns:p14="http://schemas.microsoft.com/office/powerpoint/2010/main" val="88544978"/>
+      </p:ext>
+    </p:extLst>
+  </p:cSld>
+  <p:clrMapOvr>
+    <a:masterClrMapping/>
+  </p:clrMapOvr>
+</p:sld>
+</file>
+
+<file path=ppt/slides/slide13.xml><?xml version="1.0" encoding="utf-8"?>
 <p:sld xmlns:a="http://schemas.openxmlformats.org/drawingml/2006/main" xmlns:r="http://schemas.openxmlformats.org/officeDocument/2006/relationships" xmlns:p="http://schemas.openxmlformats.org/presentationml/2006/main">
   <p:cSld>
     <p:spTree>
@@ -21518,7 +21604,7 @@
         <p:spPr/>
         <p:txBody>
           <a:bodyPr>
-            <a:normAutofit/>
+            <a:normAutofit lnSpcReduction="10000"/>
           </a:bodyPr>
           <a:lstStyle/>
           <a:p>
@@ -21630,6 +21716,21 @@
             </a:r>
           </a:p>
           <a:p>
+            <a:pPr lvl="2"/>
+            <a:r>
+              <a:rPr lang="en-US" sz="1800" dirty="0"/>
+              <a:t>END &lt;</a:t>
+            </a:r>
+            <a:r>
+              <a:rPr lang="en-US" sz="1800" dirty="0" err="1"/>
+              <a:t>winner_turn</a:t>
+            </a:r>
+            <a:r>
+              <a:rPr lang="en-US" sz="1800" dirty="0"/>
+              <a:t>&gt;: Send message to clients to tell that the match is finished</a:t>
+            </a:r>
+          </a:p>
+          <a:p>
             <a:endParaRPr lang="en-US" dirty="0"/>
           </a:p>
         </p:txBody>
@@ -21666,10 +21767,10 @@
       </p:grpSpPr>
       <p:pic>
         <p:nvPicPr>
-          <p:cNvPr id="4" name="Content Placeholder 3">
+          <p:cNvPr id="5" name="Content Placeholder 4">
             <a:extLst>
               <a:ext uri="{FF2B5EF4-FFF2-40B4-BE49-F238E27FC236}">
-                <a16:creationId xmlns:a16="http://schemas.microsoft.com/office/drawing/2014/main" id="{61D0C39C-6752-4270-A5C6-35C88885621A}"/>
+                <a16:creationId xmlns:a16="http://schemas.microsoft.com/office/drawing/2014/main" id="{325F537D-498C-4C47-B60F-537C65667FFA}"/>
               </a:ext>
             </a:extLst>
           </p:cNvPr>
@@ -21688,8 +21789,8 @@
         </p:blipFill>
         <p:spPr>
           <a:xfrm>
-            <a:off x="1363014" y="365125"/>
-            <a:ext cx="9465971" cy="6284524"/>
+            <a:off x="812359" y="628398"/>
+            <a:ext cx="10567282" cy="5601204"/>
           </a:xfrm>
           <a:prstGeom prst="rect">
             <a:avLst/>
@@ -21756,10 +21857,10 @@
       </p:sp>
       <p:pic>
         <p:nvPicPr>
-          <p:cNvPr id="4" name="Content Placeholder 3">
+          <p:cNvPr id="5" name="Content Placeholder 4">
             <a:extLst>
               <a:ext uri="{FF2B5EF4-FFF2-40B4-BE49-F238E27FC236}">
-                <a16:creationId xmlns:a16="http://schemas.microsoft.com/office/drawing/2014/main" id="{17A6806F-3925-4B34-9BC5-3456C9B19703}"/>
+                <a16:creationId xmlns:a16="http://schemas.microsoft.com/office/drawing/2014/main" id="{9005FE67-34EE-4174-B970-2E800644D0FE}"/>
               </a:ext>
             </a:extLst>
           </p:cNvPr>
@@ -21778,8 +21879,8 @@
         </p:blipFill>
         <p:spPr>
           <a:xfrm>
-            <a:off x="838200" y="1606160"/>
-            <a:ext cx="9750270" cy="4886715"/>
+            <a:off x="753347" y="1803043"/>
+            <a:ext cx="9799547" cy="4764088"/>
           </a:xfrm>
           <a:prstGeom prst="rect">
             <a:avLst/>
@@ -21846,10 +21947,10 @@
       </p:sp>
       <p:pic>
         <p:nvPicPr>
-          <p:cNvPr id="4" name="Content Placeholder 3">
+          <p:cNvPr id="5" name="Content Placeholder 4">
             <a:extLst>
               <a:ext uri="{FF2B5EF4-FFF2-40B4-BE49-F238E27FC236}">
-                <a16:creationId xmlns:a16="http://schemas.microsoft.com/office/drawing/2014/main" id="{3467C6CC-78C7-4167-AEF3-61F5EABDB664}"/>
+                <a16:creationId xmlns:a16="http://schemas.microsoft.com/office/drawing/2014/main" id="{34BE2E2F-CAFD-4F4D-BA1B-2A74AF99E7EB}"/>
               </a:ext>
             </a:extLst>
           </p:cNvPr>
@@ -21868,8 +21969,8 @@
         </p:blipFill>
         <p:spPr>
           <a:xfrm>
-            <a:off x="838200" y="1558850"/>
-            <a:ext cx="9525736" cy="4934025"/>
+            <a:off x="746975" y="1704960"/>
+            <a:ext cx="9122800" cy="4603766"/>
           </a:xfrm>
           <a:prstGeom prst="rect">
             <a:avLst/>

--- a/doc/slide.pptx
+++ b/doc/slide.pptx
@@ -8917,7 +8917,7 @@
           <a:p>
             <a:fld id="{BA9A4A5B-E162-477B-8885-908A249C9AD5}" type="datetimeFigureOut">
               <a:rPr lang="en-US" smtClean="0"/>
-              <a:t>6/3/2019</a:t>
+              <a:t>6/4/2019</a:t>
             </a:fld>
             <a:endParaRPr lang="en-US"/>
           </a:p>
@@ -9124,7 +9124,7 @@
           <a:p>
             <a:fld id="{BA9A4A5B-E162-477B-8885-908A249C9AD5}" type="datetimeFigureOut">
               <a:rPr lang="en-US" smtClean="0"/>
-              <a:t>6/3/2019</a:t>
+              <a:t>6/4/2019</a:t>
             </a:fld>
             <a:endParaRPr lang="en-US"/>
           </a:p>
@@ -9304,7 +9304,7 @@
           <a:p>
             <a:fld id="{BA9A4A5B-E162-477B-8885-908A249C9AD5}" type="datetimeFigureOut">
               <a:rPr lang="en-US" smtClean="0"/>
-              <a:t>6/3/2019</a:t>
+              <a:t>6/4/2019</a:t>
             </a:fld>
             <a:endParaRPr lang="en-US"/>
           </a:p>
@@ -9509,7 +9509,7 @@
           <a:p>
             <a:fld id="{BA9A4A5B-E162-477B-8885-908A249C9AD5}" type="datetimeFigureOut">
               <a:rPr lang="en-US" smtClean="0"/>
-              <a:t>6/3/2019</a:t>
+              <a:t>6/4/2019</a:t>
             </a:fld>
             <a:endParaRPr lang="en-US"/>
           </a:p>
@@ -18407,7 +18407,7 @@
           <a:p>
             <a:fld id="{BA9A4A5B-E162-477B-8885-908A249C9AD5}" type="datetimeFigureOut">
               <a:rPr lang="en-US" smtClean="0"/>
-              <a:t>6/3/2019</a:t>
+              <a:t>6/4/2019</a:t>
             </a:fld>
             <a:endParaRPr lang="en-US"/>
           </a:p>
@@ -18681,7 +18681,7 @@
           <a:p>
             <a:fld id="{BA9A4A5B-E162-477B-8885-908A249C9AD5}" type="datetimeFigureOut">
               <a:rPr lang="en-US" smtClean="0"/>
-              <a:t>6/3/2019</a:t>
+              <a:t>6/4/2019</a:t>
             </a:fld>
             <a:endParaRPr lang="en-US"/>
           </a:p>
@@ -19079,7 +19079,7 @@
           <a:p>
             <a:fld id="{BA9A4A5B-E162-477B-8885-908A249C9AD5}" type="datetimeFigureOut">
               <a:rPr lang="en-US" smtClean="0"/>
-              <a:t>6/3/2019</a:t>
+              <a:t>6/4/2019</a:t>
             </a:fld>
             <a:endParaRPr lang="en-US"/>
           </a:p>
@@ -19197,7 +19197,7 @@
           <a:p>
             <a:fld id="{BA9A4A5B-E162-477B-8885-908A249C9AD5}" type="datetimeFigureOut">
               <a:rPr lang="en-US" smtClean="0"/>
-              <a:t>6/3/2019</a:t>
+              <a:t>6/4/2019</a:t>
             </a:fld>
             <a:endParaRPr lang="en-US"/>
           </a:p>
@@ -19292,7 +19292,7 @@
           <a:p>
             <a:fld id="{BA9A4A5B-E162-477B-8885-908A249C9AD5}" type="datetimeFigureOut">
               <a:rPr lang="en-US" smtClean="0"/>
-              <a:t>6/3/2019</a:t>
+              <a:t>6/4/2019</a:t>
             </a:fld>
             <a:endParaRPr lang="en-US"/>
           </a:p>
@@ -19582,7 +19582,7 @@
           <a:p>
             <a:fld id="{BA9A4A5B-E162-477B-8885-908A249C9AD5}" type="datetimeFigureOut">
               <a:rPr lang="en-US" smtClean="0"/>
-              <a:t>6/3/2019</a:t>
+              <a:t>6/4/2019</a:t>
             </a:fld>
             <a:endParaRPr lang="en-US"/>
           </a:p>
@@ -19862,7 +19862,7 @@
           <a:p>
             <a:fld id="{BA9A4A5B-E162-477B-8885-908A249C9AD5}" type="datetimeFigureOut">
               <a:rPr lang="en-US" smtClean="0"/>
-              <a:t>6/3/2019</a:t>
+              <a:t>6/4/2019</a:t>
             </a:fld>
             <a:endParaRPr lang="en-US"/>
           </a:p>
@@ -20112,7 +20112,7 @@
           <a:p>
             <a:fld id="{BA9A4A5B-E162-477B-8885-908A249C9AD5}" type="datetimeFigureOut">
               <a:rPr lang="en-US" smtClean="0"/>
-              <a:t>6/3/2019</a:t>
+              <a:t>6/4/2019</a:t>
             </a:fld>
             <a:endParaRPr lang="en-US"/>
           </a:p>
@@ -20758,10 +20758,10 @@
       </p:sp>
       <p:pic>
         <p:nvPicPr>
-          <p:cNvPr id="5" name="Content Placeholder 4">
+          <p:cNvPr id="4" name="Content Placeholder 3">
             <a:extLst>
               <a:ext uri="{FF2B5EF4-FFF2-40B4-BE49-F238E27FC236}">
-                <a16:creationId xmlns:a16="http://schemas.microsoft.com/office/drawing/2014/main" id="{E7787F0A-07DB-4B0E-BDF0-822C22CB66E9}"/>
+                <a16:creationId xmlns:a16="http://schemas.microsoft.com/office/drawing/2014/main" id="{569AE92F-40D5-4B2B-86A9-2571857D05C9}"/>
               </a:ext>
             </a:extLst>
           </p:cNvPr>
@@ -20780,8 +20780,8 @@
         </p:blipFill>
         <p:spPr>
           <a:xfrm>
-            <a:off x="734096" y="1808894"/>
-            <a:ext cx="9247032" cy="4761896"/>
+            <a:off x="1024128" y="1577449"/>
+            <a:ext cx="9111545" cy="4950217"/>
           </a:xfrm>
           <a:prstGeom prst="rect">
             <a:avLst/>
@@ -20848,10 +20848,10 @@
       </p:sp>
       <p:pic>
         <p:nvPicPr>
-          <p:cNvPr id="4" name="Content Placeholder 3">
+          <p:cNvPr id="5" name="Content Placeholder 4">
             <a:extLst>
               <a:ext uri="{FF2B5EF4-FFF2-40B4-BE49-F238E27FC236}">
-                <a16:creationId xmlns:a16="http://schemas.microsoft.com/office/drawing/2014/main" id="{6A63720F-5D15-4F47-B79B-F050F4251539}"/>
+                <a16:creationId xmlns:a16="http://schemas.microsoft.com/office/drawing/2014/main" id="{2B1AA76A-F7D6-4E64-8DAC-2F6D5D542094}"/>
               </a:ext>
             </a:extLst>
           </p:cNvPr>
@@ -20870,8 +20870,8 @@
         </p:blipFill>
         <p:spPr>
           <a:xfrm>
-            <a:off x="734096" y="1790163"/>
-            <a:ext cx="8461419" cy="4562526"/>
+            <a:off x="746974" y="1727865"/>
+            <a:ext cx="8452970" cy="4544919"/>
           </a:xfrm>
           <a:prstGeom prst="rect">
             <a:avLst/>
@@ -21857,10 +21857,10 @@
       </p:sp>
       <p:pic>
         <p:nvPicPr>
-          <p:cNvPr id="5" name="Content Placeholder 4">
+          <p:cNvPr id="7" name="Content Placeholder 6">
             <a:extLst>
               <a:ext uri="{FF2B5EF4-FFF2-40B4-BE49-F238E27FC236}">
-                <a16:creationId xmlns:a16="http://schemas.microsoft.com/office/drawing/2014/main" id="{9005FE67-34EE-4174-B970-2E800644D0FE}"/>
+                <a16:creationId xmlns:a16="http://schemas.microsoft.com/office/drawing/2014/main" id="{FE07BE33-E135-4894-9756-1C63DC11B4B0}"/>
               </a:ext>
             </a:extLst>
           </p:cNvPr>
@@ -21879,8 +21879,8 @@
         </p:blipFill>
         <p:spPr>
           <a:xfrm>
-            <a:off x="753347" y="1803043"/>
-            <a:ext cx="9799547" cy="4764088"/>
+            <a:off x="735150" y="1880316"/>
+            <a:ext cx="9433628" cy="4428410"/>
           </a:xfrm>
           <a:prstGeom prst="rect">
             <a:avLst/>
@@ -21947,10 +21947,10 @@
       </p:sp>
       <p:pic>
         <p:nvPicPr>
-          <p:cNvPr id="5" name="Content Placeholder 4">
+          <p:cNvPr id="4" name="Content Placeholder 3">
             <a:extLst>
               <a:ext uri="{FF2B5EF4-FFF2-40B4-BE49-F238E27FC236}">
-                <a16:creationId xmlns:a16="http://schemas.microsoft.com/office/drawing/2014/main" id="{34BE2E2F-CAFD-4F4D-BA1B-2A74AF99E7EB}"/>
+                <a16:creationId xmlns:a16="http://schemas.microsoft.com/office/drawing/2014/main" id="{826069E7-9A8C-4370-806D-3AA171BF30AF}"/>
               </a:ext>
             </a:extLst>
           </p:cNvPr>
@@ -21969,8 +21969,8 @@
         </p:blipFill>
         <p:spPr>
           <a:xfrm>
-            <a:off x="746975" y="1704960"/>
-            <a:ext cx="9122800" cy="4603766"/>
+            <a:off x="746974" y="1756150"/>
+            <a:ext cx="8980467" cy="4668485"/>
           </a:xfrm>
           <a:prstGeom prst="rect">
             <a:avLst/>
